--- a/agile moves/Tomatoes (TOM)/ger/apprentice/ger_TOM_03_Spiele_mit_der_Zeit_AM_A.pptx
+++ b/agile moves/Tomatoes (TOM)/ger/apprentice/ger_TOM_03_Spiele_mit_der_Zeit_AM_A.pptx
@@ -526,6 +526,36 @@
           </a:p>
         </p:txBody>
       </p:sp>
+      <p:pic>
+        <p:nvPicPr>
+          <p:cNvPr id="4" name="Bild 3" descr="apprentice.pdf"/>
+          <p:cNvPicPr>
+            <a:picLocks noChangeAspect="1"/>
+          </p:cNvPicPr>
+          <p:nvPr userDrawn="1"/>
+        </p:nvPicPr>
+        <p:blipFill>
+          <a:blip r:embed="rId2">
+            <a:extLst>
+              <a:ext uri="{28A0092B-C50C-407E-A947-70E740481C1C}">
+                <a14:useLocalDpi xmlns:a14="http://schemas.microsoft.com/office/drawing/2010/main" val="0"/>
+              </a:ext>
+            </a:extLst>
+          </a:blip>
+          <a:stretch>
+            <a:fillRect/>
+          </a:stretch>
+        </p:blipFill>
+        <p:spPr>
+          <a:xfrm>
+            <a:off x="5949111" y="3780976"/>
+            <a:ext cx="939800" cy="914400"/>
+          </a:xfrm>
+          <a:prstGeom prst="rect">
+            <a:avLst/>
+          </a:prstGeom>
+        </p:spPr>
+      </p:pic>
     </p:spTree>
     <p:extLst>
       <p:ext uri="{BB962C8B-B14F-4D97-AF65-F5344CB8AC3E}">
@@ -725,7 +755,7 @@
           <a:p>
             <a:fld id="{FF5B2BAF-DF38-0A48-A798-0C06E514FD52}" type="datetimeFigureOut">
               <a:rPr lang="de-DE" smtClean="0"/>
-              <a:t>29.05.15</a:t>
+              <a:t>14.08.15</a:t>
             </a:fld>
             <a:endParaRPr lang="de-DE" dirty="0"/>
           </a:p>
@@ -995,7 +1025,7 @@
           <a:p>
             <a:fld id="{FF5B2BAF-DF38-0A48-A798-0C06E514FD52}" type="datetimeFigureOut">
               <a:rPr lang="de-DE" smtClean="0"/>
-              <a:t>29.05.15</a:t>
+              <a:t>14.08.15</a:t>
             </a:fld>
             <a:endParaRPr lang="de-DE" dirty="0"/>
           </a:p>
@@ -1088,7 +1118,7 @@
         <p:spPr>
           <a:xfrm>
             <a:off x="0" y="0"/>
-            <a:ext cx="7562850" cy="61450"/>
+            <a:ext cx="7562850" cy="82390"/>
           </a:xfrm>
           <a:prstGeom prst="rect">
             <a:avLst/>
@@ -1662,8 +1692,43 @@
               </a:spcBef>
             </a:pPr>
             <a:r>
-              <a:rPr lang="de-DE" sz="1100" dirty="0"/>
-              <a:t>Die Regeln der Tomatentechnik sind ein Vorschlag und sollen Dir Deine Arbeit erleichtern. Genauso wie die ursprünglichen Regeln, können andere auch gut für Dich sein.</a:t>
+              <a:rPr lang="de-DE" sz="1200" dirty="0"/>
+              <a:t>Eine </a:t>
+            </a:r>
+            <a:r>
+              <a:rPr lang="de-DE" sz="1200" dirty="0" smtClean="0"/>
+              <a:t>Tomatenlänge</a:t>
+            </a:r>
+            <a:r>
+              <a:rPr lang="de-DE" sz="1200" baseline="30000" dirty="0" smtClean="0"/>
+              <a:t>1</a:t>
+            </a:r>
+            <a:r>
+              <a:rPr lang="de-DE" sz="1200" dirty="0" smtClean="0"/>
+              <a:t> </a:t>
+            </a:r>
+            <a:r>
+              <a:rPr lang="de-DE" sz="1200" dirty="0"/>
+              <a:t>von 25 min ist lediglich ein Vorschlag. </a:t>
+            </a:r>
+            <a:r>
+              <a:rPr lang="de-DE" sz="1200" dirty="0" smtClean="0"/>
+              <a:t/>
+            </a:r>
+            <a:br>
+              <a:rPr lang="de-DE" sz="1200" dirty="0" smtClean="0"/>
+            </a:br>
+            <a:r>
+              <a:rPr lang="de-DE" sz="1200" dirty="0" smtClean="0"/>
+              <a:t>Auch </a:t>
+            </a:r>
+            <a:r>
+              <a:rPr lang="de-DE" sz="1200" dirty="0"/>
+              <a:t>andere Tomatenlängen können in verschiedenen Situationen gut funktionieren</a:t>
+            </a:r>
+            <a:r>
+              <a:rPr lang="de-DE" sz="1200" dirty="0" smtClean="0"/>
+              <a:t>.</a:t>
             </a:r>
           </a:p>
           <a:p>
@@ -1673,8 +1738,16 @@
               </a:spcBef>
             </a:pPr>
             <a:r>
-              <a:rPr lang="de-DE" sz="1100" dirty="0"/>
-              <a:t>Um herauszufinden, was in welcher Situation passt, musst Du Verschiedenes ausprobieren.</a:t>
+              <a:rPr lang="de-DE" sz="1200" dirty="0" smtClean="0"/>
+              <a:t>Um </a:t>
+            </a:r>
+            <a:r>
+              <a:rPr lang="de-DE" sz="1200" dirty="0"/>
+              <a:t>herauszufinden, was in welcher Situation passt, kannst Du unterschiedliche Tomatenlängen ausprobieren</a:t>
+            </a:r>
+            <a:r>
+              <a:rPr lang="de-DE" sz="1200" dirty="0" smtClean="0"/>
+              <a:t>.</a:t>
             </a:r>
           </a:p>
           <a:p>
@@ -1684,9 +1757,14 @@
               </a:spcBef>
             </a:pPr>
             <a:r>
-              <a:rPr lang="de-DE" sz="1100" dirty="0"/>
-              <a:t>Wenn Du mit Spielregeln experimentierst ist es wichtig, die Klarheit beizubehalten, indem Du Dich vor Beginn der Tomate für eine exakte Regel entscheidest. Du kannst Dich sonst schnell in Beliebigkeit verlieren.</a:t>
-            </a:r>
+              <a:rPr lang="de-DE" sz="1200" dirty="0" smtClean="0"/>
+              <a:t>Wenn </a:t>
+            </a:r>
+            <a:r>
+              <a:rPr lang="de-DE" sz="1200" dirty="0"/>
+              <a:t>Du mit den Spielregeln experimentierst, ist es wichtig, Klarheit beizubehalten. Du kannst Dich sonst schnell in Beliebigkeit verlieren. </a:t>
+            </a:r>
+            <a:endParaRPr lang="de-DE" sz="1200" dirty="0" smtClean="0"/>
           </a:p>
           <a:p>
             <a:pPr lvl="0">
@@ -1695,42 +1773,16 @@
               </a:spcBef>
             </a:pPr>
             <a:r>
-              <a:rPr lang="de-DE" sz="1100" dirty="0"/>
-              <a:t>Als Wahrnehmungsübung helfen Dir Fragen: </a:t>
-            </a:r>
-            <a:r>
-              <a:rPr lang="de-DE" sz="1100" dirty="0" smtClean="0"/>
-              <a:t/>
-            </a:r>
-            <a:br>
-              <a:rPr lang="de-DE" sz="1100" dirty="0" smtClean="0"/>
-            </a:br>
-            <a:r>
-              <a:rPr lang="de-DE" sz="1100" dirty="0" smtClean="0"/>
-              <a:t>Welche </a:t>
-            </a:r>
-            <a:r>
-              <a:rPr lang="de-DE" sz="1100" dirty="0"/>
-              <a:t>Gefühle rufen Tomatenregeln und eigene Regeln bei mir hervor? </a:t>
-            </a:r>
-            <a:r>
-              <a:rPr lang="de-DE" sz="1100" dirty="0" smtClean="0"/>
-              <a:t/>
-            </a:r>
-            <a:br>
-              <a:rPr lang="de-DE" sz="1100" dirty="0" smtClean="0"/>
-            </a:br>
-            <a:r>
-              <a:rPr lang="de-DE" sz="1100" dirty="0" smtClean="0"/>
-              <a:t>Halte </a:t>
-            </a:r>
-            <a:r>
-              <a:rPr lang="de-DE" sz="1100" dirty="0"/>
-              <a:t>ich meine Regeln ein? Welche Regel tut mir gut</a:t>
-            </a:r>
-            <a:r>
-              <a:rPr lang="de-DE" sz="1100" dirty="0" smtClean="0"/>
-              <a:t>?</a:t>
+              <a:rPr lang="de-DE" sz="1200" dirty="0" smtClean="0"/>
+              <a:t>Vor </a:t>
+            </a:r>
+            <a:r>
+              <a:rPr lang="de-DE" sz="1200" dirty="0"/>
+              <a:t>Beginn der Tomate legst Du fest, wie lange sie sein soll. Die Tomatenlänge über mehrere Tomaten konstant zu halten, hilft Dir ein Gefühl für diese Tomatenlänge zu bekommen</a:t>
+            </a:r>
+            <a:r>
+              <a:rPr lang="de-DE" sz="1200" dirty="0" smtClean="0"/>
+              <a:t>.</a:t>
             </a:r>
           </a:p>
           <a:p>
@@ -1740,89 +1792,252 @@
               </a:spcBef>
             </a:pPr>
             <a:r>
-              <a:rPr lang="de-DE" sz="1100" dirty="0"/>
-              <a:t>Ideen für andere </a:t>
-            </a:r>
-            <a:r>
-              <a:rPr lang="de-DE" sz="1100" dirty="0" smtClean="0"/>
-              <a:t>Regeln</a:t>
+              <a:rPr lang="de-DE" sz="1200" dirty="0" smtClean="0"/>
+              <a:t>Ideen </a:t>
+            </a:r>
+            <a:r>
+              <a:rPr lang="de-DE" sz="1200" dirty="0"/>
+              <a:t>für Tomaten wären</a:t>
+            </a:r>
+            <a:r>
+              <a:rPr lang="de-DE" sz="1200" dirty="0" smtClean="0"/>
+              <a:t>:</a:t>
             </a:r>
           </a:p>
           <a:p>
             <a:pPr lvl="1">
-              <a:spcBef>
-                <a:spcPts val="300"/>
-              </a:spcBef>
-            </a:pPr>
-            <a:r>
-              <a:rPr lang="de-DE" sz="1100" dirty="0"/>
-              <a:t>15 min Tomate, 3 min Pause</a:t>
-            </a:r>
-          </a:p>
-          <a:p>
-            <a:pPr lvl="1">
-              <a:spcBef>
-                <a:spcPts val="300"/>
-              </a:spcBef>
-            </a:pPr>
-            <a:r>
-              <a:rPr lang="de-DE" sz="1100" dirty="0"/>
-              <a:t>20 min Tomate, 5 min Pause</a:t>
-            </a:r>
-          </a:p>
-          <a:p>
-            <a:pPr lvl="1">
-              <a:spcBef>
-                <a:spcPts val="300"/>
-              </a:spcBef>
-            </a:pPr>
-            <a:r>
-              <a:rPr lang="de-DE" sz="1100" dirty="0"/>
-              <a:t>45 min Tomate, 10 min Pause</a:t>
-            </a:r>
-          </a:p>
-          <a:p>
-            <a:pPr lvl="1">
-              <a:spcBef>
-                <a:spcPts val="300"/>
-              </a:spcBef>
-            </a:pPr>
-            <a:r>
-              <a:rPr lang="de-DE" sz="1100" dirty="0"/>
-              <a:t>Wenn Du früher fertig bist, beginnst Du früher mit der Pause.</a:t>
-            </a:r>
-          </a:p>
-          <a:p>
-            <a:pPr lvl="1">
-              <a:spcBef>
-                <a:spcPts val="300"/>
-              </a:spcBef>
-            </a:pPr>
-            <a:r>
-              <a:rPr lang="de-DE" sz="1100" dirty="0"/>
-              <a:t>Wenn Du länger brauchst überziehst Du ein wenig</a:t>
-            </a:r>
-            <a:r>
-              <a:rPr lang="de-DE" sz="1100" dirty="0" smtClean="0"/>
-              <a:t>.</a:t>
-            </a:r>
-          </a:p>
-          <a:p>
-            <a:pPr>
               <a:spcBef>
                 <a:spcPts val="800"/>
               </a:spcBef>
             </a:pPr>
+            <a:r>
+              <a:rPr lang="de-DE" sz="1200" dirty="0" smtClean="0"/>
+              <a:t>5 </a:t>
+            </a:r>
+            <a:r>
+              <a:rPr lang="de-DE" sz="1200" dirty="0"/>
+              <a:t>min </a:t>
+            </a:r>
+            <a:r>
+              <a:rPr lang="de-DE" sz="1200" dirty="0" smtClean="0"/>
+              <a:t>Tomate</a:t>
+            </a:r>
+          </a:p>
+          <a:p>
+            <a:pPr lvl="1">
+              <a:spcBef>
+                <a:spcPts val="800"/>
+              </a:spcBef>
+            </a:pPr>
+            <a:r>
+              <a:rPr lang="de-DE" sz="1200" dirty="0" smtClean="0"/>
+              <a:t>15 </a:t>
+            </a:r>
+            <a:r>
+              <a:rPr lang="de-DE" sz="1200" dirty="0"/>
+              <a:t>min </a:t>
+            </a:r>
+            <a:r>
+              <a:rPr lang="de-DE" sz="1200" dirty="0" smtClean="0"/>
+              <a:t>Tomate</a:t>
+            </a:r>
+          </a:p>
+          <a:p>
+            <a:pPr lvl="1">
+              <a:spcBef>
+                <a:spcPts val="800"/>
+              </a:spcBef>
+            </a:pPr>
+            <a:r>
+              <a:rPr lang="de-DE" sz="1200" dirty="0" smtClean="0"/>
+              <a:t>20 </a:t>
+            </a:r>
+            <a:r>
+              <a:rPr lang="de-DE" sz="1200" dirty="0"/>
+              <a:t>min </a:t>
+            </a:r>
+            <a:r>
+              <a:rPr lang="de-DE" sz="1200" dirty="0" smtClean="0"/>
+              <a:t>Tomate</a:t>
+            </a:r>
+          </a:p>
+          <a:p>
+            <a:pPr lvl="1">
+              <a:spcBef>
+                <a:spcPts val="800"/>
+              </a:spcBef>
+            </a:pPr>
+            <a:r>
+              <a:rPr lang="de-DE" sz="1200" dirty="0" smtClean="0"/>
+              <a:t>45 </a:t>
+            </a:r>
+            <a:r>
+              <a:rPr lang="de-DE" sz="1200" dirty="0"/>
+              <a:t>min </a:t>
+            </a:r>
+            <a:r>
+              <a:rPr lang="de-DE" sz="1200" dirty="0" smtClean="0"/>
+              <a:t>Tomate</a:t>
+            </a:r>
+            <a:endParaRPr lang="de-DE" sz="1200" dirty="0"/>
+          </a:p>
+          <a:p>
             <a:endParaRPr lang="de-DE" sz="1100" dirty="0"/>
           </a:p>
-          <a:p>
-            <a:pPr marL="368366" lvl="1" indent="0">
-              <a:buNone/>
-            </a:pPr>
-            <a:endParaRPr lang="de-DE" sz="1100" dirty="0"/>
-          </a:p>
-          <a:p>
-            <a:endParaRPr lang="de-DE" sz="1100" dirty="0"/>
+        </p:txBody>
+      </p:sp>
+      <p:sp>
+        <p:nvSpPr>
+          <p:cNvPr id="6" name="Fußzeilenplatzhalter 19"/>
+          <p:cNvSpPr txBox="1">
+            <a:spLocks/>
+          </p:cNvSpPr>
+          <p:nvPr/>
+        </p:nvSpPr>
+        <p:spPr>
+          <a:xfrm>
+            <a:off x="5086569" y="4776480"/>
+            <a:ext cx="1775894" cy="283817"/>
+          </a:xfrm>
+          <a:prstGeom prst="rect">
+            <a:avLst/>
+          </a:prstGeom>
+        </p:spPr>
+        <p:txBody>
+          <a:bodyPr/>
+          <a:lstStyle>
+            <a:defPPr>
+              <a:defRPr lang="de-DE"/>
+            </a:defPPr>
+            <a:lvl1pPr marL="0" algn="l" defTabSz="403388" rtl="0" eaLnBrk="1" latinLnBrk="0" hangingPunct="1">
+              <a:defRPr sz="1600" kern="1200">
+                <a:solidFill>
+                  <a:schemeClr val="tx1"/>
+                </a:solidFill>
+                <a:latin typeface="+mn-lt"/>
+                <a:ea typeface="+mn-ea"/>
+                <a:cs typeface="+mn-cs"/>
+              </a:defRPr>
+            </a:lvl1pPr>
+            <a:lvl2pPr marL="403388" algn="l" defTabSz="403388" rtl="0" eaLnBrk="1" latinLnBrk="0" hangingPunct="1">
+              <a:defRPr sz="1600" kern="1200">
+                <a:solidFill>
+                  <a:schemeClr val="tx1"/>
+                </a:solidFill>
+                <a:latin typeface="+mn-lt"/>
+                <a:ea typeface="+mn-ea"/>
+                <a:cs typeface="+mn-cs"/>
+              </a:defRPr>
+            </a:lvl2pPr>
+            <a:lvl3pPr marL="806775" algn="l" defTabSz="403388" rtl="0" eaLnBrk="1" latinLnBrk="0" hangingPunct="1">
+              <a:defRPr sz="1600" kern="1200">
+                <a:solidFill>
+                  <a:schemeClr val="tx1"/>
+                </a:solidFill>
+                <a:latin typeface="+mn-lt"/>
+                <a:ea typeface="+mn-ea"/>
+                <a:cs typeface="+mn-cs"/>
+              </a:defRPr>
+            </a:lvl3pPr>
+            <a:lvl4pPr marL="1210163" algn="l" defTabSz="403388" rtl="0" eaLnBrk="1" latinLnBrk="0" hangingPunct="1">
+              <a:defRPr sz="1600" kern="1200">
+                <a:solidFill>
+                  <a:schemeClr val="tx1"/>
+                </a:solidFill>
+                <a:latin typeface="+mn-lt"/>
+                <a:ea typeface="+mn-ea"/>
+                <a:cs typeface="+mn-cs"/>
+              </a:defRPr>
+            </a:lvl4pPr>
+            <a:lvl5pPr marL="1613550" algn="l" defTabSz="403388" rtl="0" eaLnBrk="1" latinLnBrk="0" hangingPunct="1">
+              <a:defRPr sz="1600" kern="1200">
+                <a:solidFill>
+                  <a:schemeClr val="tx1"/>
+                </a:solidFill>
+                <a:latin typeface="+mn-lt"/>
+                <a:ea typeface="+mn-ea"/>
+                <a:cs typeface="+mn-cs"/>
+              </a:defRPr>
+            </a:lvl5pPr>
+            <a:lvl6pPr marL="2016938" algn="l" defTabSz="403388" rtl="0" eaLnBrk="1" latinLnBrk="0" hangingPunct="1">
+              <a:defRPr sz="1600" kern="1200">
+                <a:solidFill>
+                  <a:schemeClr val="tx1"/>
+                </a:solidFill>
+                <a:latin typeface="+mn-lt"/>
+                <a:ea typeface="+mn-ea"/>
+                <a:cs typeface="+mn-cs"/>
+              </a:defRPr>
+            </a:lvl6pPr>
+            <a:lvl7pPr marL="2420325" algn="l" defTabSz="403388" rtl="0" eaLnBrk="1" latinLnBrk="0" hangingPunct="1">
+              <a:defRPr sz="1600" kern="1200">
+                <a:solidFill>
+                  <a:schemeClr val="tx1"/>
+                </a:solidFill>
+                <a:latin typeface="+mn-lt"/>
+                <a:ea typeface="+mn-ea"/>
+                <a:cs typeface="+mn-cs"/>
+              </a:defRPr>
+            </a:lvl7pPr>
+            <a:lvl8pPr marL="2823713" algn="l" defTabSz="403388" rtl="0" eaLnBrk="1" latinLnBrk="0" hangingPunct="1">
+              <a:defRPr sz="1600" kern="1200">
+                <a:solidFill>
+                  <a:schemeClr val="tx1"/>
+                </a:solidFill>
+                <a:latin typeface="+mn-lt"/>
+                <a:ea typeface="+mn-ea"/>
+                <a:cs typeface="+mn-cs"/>
+              </a:defRPr>
+            </a:lvl8pPr>
+            <a:lvl9pPr marL="3227100" algn="l" defTabSz="403388" rtl="0" eaLnBrk="1" latinLnBrk="0" hangingPunct="1">
+              <a:defRPr sz="1600" kern="1200">
+                <a:solidFill>
+                  <a:schemeClr val="tx1"/>
+                </a:solidFill>
+                <a:latin typeface="+mn-lt"/>
+                <a:ea typeface="+mn-ea"/>
+                <a:cs typeface="+mn-cs"/>
+              </a:defRPr>
+            </a:lvl9pPr>
+          </a:lstStyle>
+          <a:p>
+            <a:r>
+              <a:rPr lang="de-DE" sz="900" baseline="30000" dirty="0" smtClean="0">
+                <a:solidFill>
+                  <a:schemeClr val="bg1">
+                    <a:lumMod val="65000"/>
+                  </a:schemeClr>
+                </a:solidFill>
+              </a:rPr>
+              <a:t>1</a:t>
+            </a:r>
+            <a:r>
+              <a:rPr lang="de-DE" sz="900" dirty="0" smtClean="0">
+                <a:solidFill>
+                  <a:schemeClr val="bg1">
+                    <a:lumMod val="65000"/>
+                  </a:schemeClr>
+                </a:solidFill>
+              </a:rPr>
+              <a:t>  </a:t>
+            </a:r>
+            <a:r>
+              <a:rPr lang="de-DE" sz="900" dirty="0" err="1" smtClean="0">
+                <a:solidFill>
+                  <a:schemeClr val="bg1">
+                    <a:lumMod val="65000"/>
+                  </a:schemeClr>
+                </a:solidFill>
+              </a:rPr>
+              <a:t>www.pomodorotechnique.com</a:t>
+            </a:r>
+            <a:endParaRPr lang="de-DE" sz="900" dirty="0">
+              <a:solidFill>
+                <a:schemeClr val="bg1">
+                  <a:lumMod val="65000"/>
+                </a:schemeClr>
+              </a:solidFill>
+            </a:endParaRPr>
           </a:p>
         </p:txBody>
       </p:sp>
@@ -1866,7 +2081,12 @@
             <p:ph idx="1"/>
           </p:nvPr>
         </p:nvSpPr>
-        <p:spPr/>
+        <p:spPr>
+          <a:xfrm>
+            <a:off x="858838" y="1555750"/>
+            <a:ext cx="6311494" cy="3213870"/>
+          </a:xfrm>
+        </p:spPr>
         <p:txBody>
           <a:bodyPr>
             <a:normAutofit lnSpcReduction="10000"/>
@@ -1875,84 +2095,121 @@
           <a:p>
             <a:r>
               <a:rPr lang="de-DE" sz="1200" dirty="0"/>
-              <a:t>Mache Dir in drei Wochen mindestens sechs </a:t>
-            </a:r>
-            <a:r>
-              <a:rPr lang="de-DE" sz="1200" dirty="0" smtClean="0"/>
-              <a:t>Tagespläne </a:t>
+              <a:t>Trainiere </a:t>
+            </a:r>
+            <a:r>
+              <a:rPr lang="de-DE" sz="1200" dirty="0" smtClean="0"/>
+              <a:t>in zwei Wochen drei </a:t>
             </a:r>
             <a:r>
               <a:rPr lang="de-DE" sz="1200" dirty="0"/>
-              <a:t>mit Tomaten</a:t>
+              <a:t>Phasen, in denen Du Deine Tomatenlängen änderst</a:t>
             </a:r>
             <a:r>
               <a:rPr lang="de-DE" sz="1200" dirty="0" smtClean="0"/>
               <a:t>.</a:t>
             </a:r>
-            <a:endParaRPr lang="de-DE" sz="1200" dirty="0"/>
-          </a:p>
-          <a:p>
+          </a:p>
+          <a:p>
+            <a:r>
+              <a:rPr lang="de-DE" sz="1200" dirty="0" smtClean="0"/>
+              <a:t>Jede </a:t>
+            </a:r>
             <a:r>
               <a:rPr lang="de-DE" sz="1200" dirty="0"/>
-              <a:t>Plane Deine Tage am Morgen und reflektiere sie am Abend. Plane nur Tomaten, die Du auch einhalten kannst</a:t>
+              <a:t>Phase sollte über </a:t>
+            </a:r>
+            <a:r>
+              <a:rPr lang="de-DE" sz="1200" dirty="0" smtClean="0"/>
+              <a:t>zwei bis vier Tage </a:t>
+            </a:r>
+            <a:r>
+              <a:rPr lang="de-DE" sz="1200" dirty="0"/>
+              <a:t>gehen, an denen Du Tomaten machst. Innerhalb dieser Zeit änderst Du die Tomatenlänge nicht</a:t>
             </a:r>
             <a:r>
               <a:rPr lang="de-DE" sz="1200" dirty="0" smtClean="0"/>
               <a:t>.</a:t>
             </a:r>
-            <a:endParaRPr lang="de-DE" sz="1200" dirty="0"/>
-          </a:p>
-          <a:p>
+          </a:p>
+          <a:p>
+            <a:r>
+              <a:rPr lang="de-DE" sz="1200" dirty="0" smtClean="0"/>
+              <a:t>Mache </a:t>
+            </a:r>
             <a:r>
               <a:rPr lang="de-DE" sz="1200" dirty="0"/>
-              <a:t>Plane an mindestens drei Tagen Tomaten mit verschiedenen Regeln. Du kannst die Regeln auch miteinander kombinieren oder neue </a:t>
-            </a:r>
-            <a:r>
-              <a:rPr lang="de-DE" sz="1200" dirty="0" smtClean="0"/>
-              <a:t>erfinden.</a:t>
-            </a:r>
-          </a:p>
-          <a:p>
-            <a:r>
-              <a:rPr lang="de-DE" sz="1200" dirty="0" smtClean="0"/>
-              <a:t>Weitere </a:t>
+              <a:t>in einer Phase mindestens </a:t>
+            </a:r>
+            <a:r>
+              <a:rPr lang="de-DE" sz="1200" dirty="0" smtClean="0"/>
+              <a:t>drei </a:t>
             </a:r>
             <a:r>
               <a:rPr lang="de-DE" sz="1200" dirty="0"/>
-              <a:t>Spielvorschläge:</a:t>
-            </a:r>
-          </a:p>
-          <a:p>
-            <a:pPr marL="539816" lvl="1" indent="-171450">
+              <a:t>Tomaten mit gleicher Länge, also insgesamt </a:t>
+            </a:r>
+            <a:r>
+              <a:rPr lang="de-DE" sz="1200" dirty="0" smtClean="0"/>
+              <a:t>neun Tomaten.</a:t>
+            </a:r>
+          </a:p>
+          <a:p>
+            <a:r>
+              <a:rPr lang="de-DE" sz="1200" dirty="0" smtClean="0"/>
+              <a:t>Dokumentiere </a:t>
+            </a:r>
+            <a:r>
+              <a:rPr lang="de-DE" sz="1200" dirty="0"/>
+              <a:t>jede Tomate und notiere auch Antworten auf folgende Wahrnehmungsfragen</a:t>
+            </a:r>
+            <a:r>
+              <a:rPr lang="de-DE" sz="1200" dirty="0" smtClean="0"/>
+              <a:t>:</a:t>
+            </a:r>
+          </a:p>
+          <a:p>
+            <a:pPr lvl="1">
               <a:buFont typeface="Wingdings" charset="2"/>
               <a:buChar char="§"/>
             </a:pPr>
             <a:r>
+              <a:rPr lang="de-DE" sz="1200" dirty="0" smtClean="0"/>
+              <a:t>Was </a:t>
+            </a:r>
+            <a:r>
               <a:rPr lang="de-DE" sz="1200" dirty="0"/>
-              <a:t>Baue Dir Deine Tomaten sinnvoll hintereinander. Nimm z.B. nach einer kopflastigen Tomate etwas Körperliches wie </a:t>
-            </a:r>
-            <a:r>
-              <a:rPr lang="de-DE" sz="1200" dirty="0" smtClean="0"/>
-              <a:t>Aufräumen.</a:t>
-            </a:r>
-            <a:endParaRPr lang="de-DE" sz="1200" dirty="0"/>
-          </a:p>
-          <a:p>
-            <a:pPr marL="539816" lvl="1" indent="-171450">
+              <a:t>tut mir gut?</a:t>
+            </a:r>
+          </a:p>
+          <a:p>
+            <a:pPr lvl="1">
               <a:buFont typeface="Wingdings" charset="2"/>
               <a:buChar char="§"/>
             </a:pPr>
             <a:r>
               <a:rPr lang="de-DE" sz="1200" dirty="0"/>
-              <a:t>Plane Deine Tomate, nachdem Du den </a:t>
-            </a:r>
-            <a:r>
-              <a:rPr lang="de-DE" sz="1200" dirty="0" err="1"/>
-              <a:t>Timer</a:t>
-            </a:r>
+              <a:t>Halte ich meine Tomatenlängen ein?</a:t>
+            </a:r>
+          </a:p>
+          <a:p>
+            <a:pPr lvl="1">
+              <a:buFont typeface="Wingdings" charset="2"/>
+              <a:buChar char="§"/>
+            </a:pPr>
             <a:r>
               <a:rPr lang="de-DE" sz="1200" dirty="0"/>
-              <a:t> gestartet hast, und reflektiere sie nachdem die Zeit abgelaufen ist. Oder umgekehrt. Plane sie vor dem Start und nimm Dir, bevor es klingelt, genug Zeit die Tomate zu reflektieren. </a:t>
+              <a:t>Reißt meine Konzentration während der Tomate ab?</a:t>
+            </a:r>
+          </a:p>
+          <a:p>
+            <a:pPr lvl="1">
+              <a:buFont typeface="Wingdings" charset="2"/>
+              <a:buChar char="§"/>
+            </a:pPr>
+            <a:r>
+              <a:rPr lang="de-DE" sz="1200" dirty="0"/>
+              <a:t>Bräuchte ich längere oder kürzere Tomaten? Warum? </a:t>
             </a:r>
           </a:p>
           <a:p>
